--- a/Presentation/Presentation.pptx
+++ b/Presentation/Presentation.pptx
@@ -14,8 +14,8 @@
     <p:sldId id="260" r:id="rId8"/>
     <p:sldId id="262" r:id="rId9"/>
     <p:sldId id="264" r:id="rId10"/>
-    <p:sldId id="266" r:id="rId11"/>
-    <p:sldId id="270" r:id="rId12"/>
+    <p:sldId id="270" r:id="rId11"/>
+    <p:sldId id="266" r:id="rId12"/>
   </p:sldIdLst>
   <p:sldSz cx="12192000" cy="6858000"/>
   <p:notesSz cx="6858000" cy="9144000"/>
@@ -269,7 +269,7 @@
           <a:p>
             <a:fld id="{6309856F-ECB0-7A46-ADAB-EA747E8AA921}" type="datetimeFigureOut">
               <a:rPr lang="en-US" smtClean="0"/>
-              <a:t>8/19/20</a:t>
+              <a:t>8/21/20</a:t>
             </a:fld>
             <a:endParaRPr lang="en-US"/>
           </a:p>
@@ -467,7 +467,7 @@
           <a:p>
             <a:fld id="{6309856F-ECB0-7A46-ADAB-EA747E8AA921}" type="datetimeFigureOut">
               <a:rPr lang="en-US" smtClean="0"/>
-              <a:t>8/19/20</a:t>
+              <a:t>8/21/20</a:t>
             </a:fld>
             <a:endParaRPr lang="en-US"/>
           </a:p>
@@ -675,7 +675,7 @@
           <a:p>
             <a:fld id="{6309856F-ECB0-7A46-ADAB-EA747E8AA921}" type="datetimeFigureOut">
               <a:rPr lang="en-US" smtClean="0"/>
-              <a:t>8/19/20</a:t>
+              <a:t>8/21/20</a:t>
             </a:fld>
             <a:endParaRPr lang="en-US"/>
           </a:p>
@@ -873,7 +873,7 @@
           <a:p>
             <a:fld id="{6309856F-ECB0-7A46-ADAB-EA747E8AA921}" type="datetimeFigureOut">
               <a:rPr lang="en-US" smtClean="0"/>
-              <a:t>8/19/20</a:t>
+              <a:t>8/21/20</a:t>
             </a:fld>
             <a:endParaRPr lang="en-US"/>
           </a:p>
@@ -1148,7 +1148,7 @@
           <a:p>
             <a:fld id="{6309856F-ECB0-7A46-ADAB-EA747E8AA921}" type="datetimeFigureOut">
               <a:rPr lang="en-US" smtClean="0"/>
-              <a:t>8/19/20</a:t>
+              <a:t>8/21/20</a:t>
             </a:fld>
             <a:endParaRPr lang="en-US"/>
           </a:p>
@@ -1413,7 +1413,7 @@
           <a:p>
             <a:fld id="{6309856F-ECB0-7A46-ADAB-EA747E8AA921}" type="datetimeFigureOut">
               <a:rPr lang="en-US" smtClean="0"/>
-              <a:t>8/19/20</a:t>
+              <a:t>8/21/20</a:t>
             </a:fld>
             <a:endParaRPr lang="en-US"/>
           </a:p>
@@ -1825,7 +1825,7 @@
           <a:p>
             <a:fld id="{6309856F-ECB0-7A46-ADAB-EA747E8AA921}" type="datetimeFigureOut">
               <a:rPr lang="en-US" smtClean="0"/>
-              <a:t>8/19/20</a:t>
+              <a:t>8/21/20</a:t>
             </a:fld>
             <a:endParaRPr lang="en-US"/>
           </a:p>
@@ -1966,7 +1966,7 @@
           <a:p>
             <a:fld id="{6309856F-ECB0-7A46-ADAB-EA747E8AA921}" type="datetimeFigureOut">
               <a:rPr lang="en-US" smtClean="0"/>
-              <a:t>8/19/20</a:t>
+              <a:t>8/21/20</a:t>
             </a:fld>
             <a:endParaRPr lang="en-US"/>
           </a:p>
@@ -2079,7 +2079,7 @@
           <a:p>
             <a:fld id="{6309856F-ECB0-7A46-ADAB-EA747E8AA921}" type="datetimeFigureOut">
               <a:rPr lang="en-US" smtClean="0"/>
-              <a:t>8/19/20</a:t>
+              <a:t>8/21/20</a:t>
             </a:fld>
             <a:endParaRPr lang="en-US"/>
           </a:p>
@@ -2390,7 +2390,7 @@
           <a:p>
             <a:fld id="{6309856F-ECB0-7A46-ADAB-EA747E8AA921}" type="datetimeFigureOut">
               <a:rPr lang="en-US" smtClean="0"/>
-              <a:t>8/19/20</a:t>
+              <a:t>8/21/20</a:t>
             </a:fld>
             <a:endParaRPr lang="en-US"/>
           </a:p>
@@ -2678,7 +2678,7 @@
           <a:p>
             <a:fld id="{6309856F-ECB0-7A46-ADAB-EA747E8AA921}" type="datetimeFigureOut">
               <a:rPr lang="en-US" smtClean="0"/>
-              <a:t>8/19/20</a:t>
+              <a:t>8/21/20</a:t>
             </a:fld>
             <a:endParaRPr lang="en-US"/>
           </a:p>
@@ -2922,7 +2922,7 @@
           <a:p>
             <a:fld id="{6309856F-ECB0-7A46-ADAB-EA747E8AA921}" type="datetimeFigureOut">
               <a:rPr lang="en-US" smtClean="0"/>
-              <a:t>8/19/20</a:t>
+              <a:t>8/21/20</a:t>
             </a:fld>
             <a:endParaRPr lang="en-US"/>
           </a:p>
@@ -3522,7 +3522,7 @@
         <p:spPr>
           <a:xfrm>
             <a:off x="1669143" y="333254"/>
-            <a:ext cx="5669629" cy="584775"/>
+            <a:ext cx="1313180" cy="584775"/>
           </a:xfrm>
           <a:prstGeom prst="rect">
             <a:avLst/>
@@ -3539,71 +3539,51 @@
               <a:rPr lang="en-US" sz="3200" dirty="0">
                 <a:latin typeface="Avenir Next" panose="020B0503020202020204" pitchFamily="34" charset="0"/>
               </a:rPr>
-              <a:t>COMPETITIVE ADVANTAGES</a:t>
-            </a:r>
-          </a:p>
-        </p:txBody>
-      </p:sp>
-      <p:sp>
-        <p:nvSpPr>
-          <p:cNvPr id="2" name="Rectangle 1">
-            <a:extLst>
-              <a:ext uri="{FF2B5EF4-FFF2-40B4-BE49-F238E27FC236}">
-                <a16:creationId xmlns:a16="http://schemas.microsoft.com/office/drawing/2014/main" id="{1FDBF9E0-5682-A34C-ACE9-EA60898A3F49}"/>
-              </a:ext>
-            </a:extLst>
-          </p:cNvPr>
-          <p:cNvSpPr/>
-          <p:nvPr/>
-        </p:nvSpPr>
-        <p:spPr>
-          <a:xfrm>
-            <a:off x="1669143" y="1870363"/>
-            <a:ext cx="2410691" cy="798776"/>
-          </a:xfrm>
-          <a:prstGeom prst="rect">
-            <a:avLst/>
-          </a:prstGeom>
-          <a:solidFill>
-            <a:schemeClr val="bg2">
-              <a:lumMod val="75000"/>
-            </a:schemeClr>
-          </a:solidFill>
-          <a:ln>
-            <a:noFill/>
+              <a:t>TEAM</a:t>
+            </a:r>
+          </a:p>
+        </p:txBody>
+      </p:sp>
+      <p:pic>
+        <p:nvPicPr>
+          <p:cNvPr id="15" name="Picture 14" descr="A person holding a sign&#10;&#10;Description automatically generated">
+            <a:extLst>
+              <a:ext uri="{FF2B5EF4-FFF2-40B4-BE49-F238E27FC236}">
+                <a16:creationId xmlns:a16="http://schemas.microsoft.com/office/drawing/2014/main" id="{EF53A623-33CF-FE4A-A201-819F3AA25BE1}"/>
+              </a:ext>
+            </a:extLst>
+          </p:cNvPr>
+          <p:cNvPicPr>
+            <a:picLocks noChangeAspect="1"/>
+          </p:cNvPicPr>
+          <p:nvPr/>
+        </p:nvPicPr>
+        <p:blipFill rotWithShape="1">
+          <a:blip r:embed="rId2"/>
+          <a:srcRect l="36233" t="50000" r="12775" b="9378"/>
+          <a:stretch/>
+        </p:blipFill>
+        <p:spPr>
+          <a:xfrm>
+            <a:off x="2982323" y="2354287"/>
+            <a:ext cx="1658716" cy="1650661"/>
+          </a:xfrm>
+          <a:prstGeom prst="ellipse">
+            <a:avLst/>
+          </a:prstGeom>
+          <a:ln w="38100">
+            <a:solidFill>
+              <a:srgbClr val="00B894"/>
+            </a:solidFill>
           </a:ln>
         </p:spPr>
-        <p:style>
-          <a:lnRef idx="2">
-            <a:schemeClr val="accent1">
-              <a:shade val="50000"/>
-            </a:schemeClr>
-          </a:lnRef>
-          <a:fillRef idx="1">
-            <a:schemeClr val="accent1"/>
-          </a:fillRef>
-          <a:effectRef idx="0">
-            <a:schemeClr val="accent1"/>
-          </a:effectRef>
-          <a:fontRef idx="minor">
-            <a:schemeClr val="lt1"/>
-          </a:fontRef>
-        </p:style>
-        <p:txBody>
-          <a:bodyPr rtlCol="0" anchor="ctr"/>
-          <a:lstStyle/>
-          <a:p>
-            <a:pPr algn="ctr"/>
-            <a:endParaRPr lang="en-US"/>
-          </a:p>
-        </p:txBody>
-      </p:sp>
-      <p:sp>
-        <p:nvSpPr>
-          <p:cNvPr id="3" name="TextBox 2">
-            <a:extLst>
-              <a:ext uri="{FF2B5EF4-FFF2-40B4-BE49-F238E27FC236}">
-                <a16:creationId xmlns:a16="http://schemas.microsoft.com/office/drawing/2014/main" id="{88430BBE-6DE0-CB48-B092-982294AA5AEB}"/>
+      </p:pic>
+      <p:sp>
+        <p:nvSpPr>
+          <p:cNvPr id="16" name="TextBox 15">
+            <a:extLst>
+              <a:ext uri="{FF2B5EF4-FFF2-40B4-BE49-F238E27FC236}">
+                <a16:creationId xmlns:a16="http://schemas.microsoft.com/office/drawing/2014/main" id="{04084F89-2C3C-0247-A1DF-B58EC8D61163}"/>
               </a:ext>
             </a:extLst>
           </p:cNvPr>
@@ -3612,8 +3592,8 @@
         </p:nvSpPr>
         <p:spPr>
           <a:xfrm>
-            <a:off x="1719556" y="1961253"/>
-            <a:ext cx="2309863" cy="707886"/>
+            <a:off x="2658159" y="4294909"/>
+            <a:ext cx="2510111" cy="369332"/>
           </a:xfrm>
           <a:prstGeom prst="rect">
             <a:avLst/>
@@ -3626,85 +3606,42 @@
           </a:bodyPr>
           <a:lstStyle/>
           <a:p>
-            <a:pPr algn="ctr"/>
-            <a:r>
-              <a:rPr lang="en-US" sz="2000" dirty="0">
+            <a:r>
+              <a:rPr lang="en-US" dirty="0">
                 <a:latin typeface="Avenir Next" panose="020B0503020202020204" pitchFamily="34" charset="0"/>
               </a:rPr>
-              <a:t>Free to Affordable</a:t>
-            </a:r>
-          </a:p>
-          <a:p>
-            <a:pPr algn="ctr"/>
-            <a:r>
-              <a:rPr lang="en-US" sz="2000" dirty="0">
+              <a:t>Andi </a:t>
+            </a:r>
+            <a:r>
+              <a:rPr lang="en-US" dirty="0" err="1">
                 <a:latin typeface="Avenir Next" panose="020B0503020202020204" pitchFamily="34" charset="0"/>
               </a:rPr>
-              <a:t>Stuff</a:t>
-            </a:r>
-          </a:p>
-        </p:txBody>
-      </p:sp>
-      <p:sp>
-        <p:nvSpPr>
-          <p:cNvPr id="6" name="Rectangle 5">
-            <a:extLst>
-              <a:ext uri="{FF2B5EF4-FFF2-40B4-BE49-F238E27FC236}">
-                <a16:creationId xmlns:a16="http://schemas.microsoft.com/office/drawing/2014/main" id="{89AEF0FF-DE58-694C-8A12-2BC18C3D94AF}"/>
-              </a:ext>
-            </a:extLst>
-          </p:cNvPr>
-          <p:cNvSpPr/>
-          <p:nvPr/>
-        </p:nvSpPr>
-        <p:spPr>
-          <a:xfrm>
-            <a:off x="4995100" y="1870363"/>
-            <a:ext cx="2410691" cy="798776"/>
-          </a:xfrm>
-          <a:prstGeom prst="rect">
-            <a:avLst/>
-          </a:prstGeom>
-          <a:solidFill>
-            <a:schemeClr val="bg2">
-              <a:lumMod val="75000"/>
-            </a:schemeClr>
-          </a:solidFill>
-          <a:ln>
-            <a:noFill/>
-          </a:ln>
-        </p:spPr>
-        <p:style>
-          <a:lnRef idx="2">
-            <a:schemeClr val="accent1">
-              <a:shade val="50000"/>
-            </a:schemeClr>
-          </a:lnRef>
-          <a:fillRef idx="1">
-            <a:schemeClr val="accent1"/>
-          </a:fillRef>
-          <a:effectRef idx="0">
-            <a:schemeClr val="accent1"/>
-          </a:effectRef>
-          <a:fontRef idx="minor">
-            <a:schemeClr val="lt1"/>
-          </a:fontRef>
-        </p:style>
-        <p:txBody>
-          <a:bodyPr rtlCol="0" anchor="ctr"/>
-          <a:lstStyle/>
-          <a:p>
-            <a:pPr algn="ctr"/>
-            <a:endParaRPr lang="en-US"/>
-          </a:p>
-        </p:txBody>
-      </p:sp>
-      <p:sp>
-        <p:nvSpPr>
-          <p:cNvPr id="7" name="TextBox 6">
-            <a:extLst>
-              <a:ext uri="{FF2B5EF4-FFF2-40B4-BE49-F238E27FC236}">
-                <a16:creationId xmlns:a16="http://schemas.microsoft.com/office/drawing/2014/main" id="{486867D3-7A1C-3B4D-8C29-AE26EB17078D}"/>
+              <a:t>Prademon</a:t>
+            </a:r>
+            <a:r>
+              <a:rPr lang="en-US" dirty="0">
+                <a:latin typeface="Avenir Next" panose="020B0503020202020204" pitchFamily="34" charset="0"/>
+              </a:rPr>
+              <a:t> </a:t>
+            </a:r>
+            <a:r>
+              <a:rPr lang="en-US" dirty="0" err="1">
+                <a:latin typeface="Avenir Next" panose="020B0503020202020204" pitchFamily="34" charset="0"/>
+              </a:rPr>
+              <a:t>Yunus</a:t>
+            </a:r>
+            <a:endParaRPr lang="en-US" dirty="0">
+              <a:latin typeface="Avenir Next" panose="020B0503020202020204" pitchFamily="34" charset="0"/>
+            </a:endParaRPr>
+          </a:p>
+        </p:txBody>
+      </p:sp>
+      <p:sp>
+        <p:nvSpPr>
+          <p:cNvPr id="17" name="TextBox 16">
+            <a:extLst>
+              <a:ext uri="{FF2B5EF4-FFF2-40B4-BE49-F238E27FC236}">
+                <a16:creationId xmlns:a16="http://schemas.microsoft.com/office/drawing/2014/main" id="{749B2E8F-710B-3E4B-833B-E5C00882D5CF}"/>
               </a:ext>
             </a:extLst>
           </p:cNvPr>
@@ -3713,8 +3650,8 @@
         </p:nvSpPr>
         <p:spPr>
           <a:xfrm>
-            <a:off x="5206665" y="2072090"/>
-            <a:ext cx="2098396" cy="400110"/>
+            <a:off x="2152138" y="4664241"/>
+            <a:ext cx="3475695" cy="861774"/>
           </a:xfrm>
           <a:prstGeom prst="rect">
             <a:avLst/>
@@ -3729,74 +3666,38 @@
           <a:p>
             <a:pPr algn="ctr"/>
             <a:r>
-              <a:rPr lang="en-US" sz="2000" dirty="0">
+              <a:rPr lang="en-US" sz="1600" dirty="0">
                 <a:latin typeface="Avenir Next" panose="020B0503020202020204" pitchFamily="34" charset="0"/>
               </a:rPr>
-              <a:t>Easy Transaction</a:t>
-            </a:r>
-          </a:p>
-        </p:txBody>
-      </p:sp>
-      <p:sp>
-        <p:nvSpPr>
-          <p:cNvPr id="8" name="Rectangle 7">
-            <a:extLst>
-              <a:ext uri="{FF2B5EF4-FFF2-40B4-BE49-F238E27FC236}">
-                <a16:creationId xmlns:a16="http://schemas.microsoft.com/office/drawing/2014/main" id="{7B127251-31AB-B041-BA9A-6E59AAFA58E4}"/>
-              </a:ext>
-            </a:extLst>
-          </p:cNvPr>
-          <p:cNvSpPr/>
-          <p:nvPr/>
-        </p:nvSpPr>
-        <p:spPr>
-          <a:xfrm>
-            <a:off x="8249426" y="1870363"/>
-            <a:ext cx="2410691" cy="798776"/>
-          </a:xfrm>
-          <a:prstGeom prst="rect">
-            <a:avLst/>
-          </a:prstGeom>
-          <a:solidFill>
-            <a:schemeClr val="bg2">
-              <a:lumMod val="75000"/>
-            </a:schemeClr>
-          </a:solidFill>
-          <a:ln>
-            <a:noFill/>
-          </a:ln>
-        </p:spPr>
-        <p:style>
-          <a:lnRef idx="2">
-            <a:schemeClr val="accent1">
-              <a:shade val="50000"/>
-            </a:schemeClr>
-          </a:lnRef>
-          <a:fillRef idx="1">
-            <a:schemeClr val="accent1"/>
-          </a:fillRef>
-          <a:effectRef idx="0">
-            <a:schemeClr val="accent1"/>
-          </a:effectRef>
-          <a:fontRef idx="minor">
-            <a:schemeClr val="lt1"/>
-          </a:fontRef>
-        </p:style>
-        <p:txBody>
-          <a:bodyPr rtlCol="0" anchor="ctr"/>
-          <a:lstStyle/>
+              <a:t>Human Interface Laboratory</a:t>
+            </a:r>
+          </a:p>
           <a:p>
             <a:pPr algn="ctr"/>
-            <a:endParaRPr lang="en-US"/>
-          </a:p>
-        </p:txBody>
-      </p:sp>
-      <p:sp>
-        <p:nvSpPr>
-          <p:cNvPr id="9" name="TextBox 8">
-            <a:extLst>
-              <a:ext uri="{FF2B5EF4-FFF2-40B4-BE49-F238E27FC236}">
-                <a16:creationId xmlns:a16="http://schemas.microsoft.com/office/drawing/2014/main" id="{9D61D458-6467-AF45-960B-3397CEA83F40}"/>
+            <a:r>
+              <a:rPr lang="en-US" sz="1600" dirty="0">
+                <a:latin typeface="Avenir Next" panose="020B0503020202020204" pitchFamily="34" charset="0"/>
+              </a:rPr>
+              <a:t>Department of System Engineering</a:t>
+            </a:r>
+          </a:p>
+          <a:p>
+            <a:pPr algn="ctr"/>
+            <a:r>
+              <a:rPr lang="en-US" sz="1600" dirty="0">
+                <a:latin typeface="Avenir Next" panose="020B0503020202020204" pitchFamily="34" charset="0"/>
+              </a:rPr>
+              <a:t>Faculty of Engineering</a:t>
+            </a:r>
+          </a:p>
+        </p:txBody>
+      </p:sp>
+      <p:sp>
+        <p:nvSpPr>
+          <p:cNvPr id="19" name="TextBox 18">
+            <a:extLst>
+              <a:ext uri="{FF2B5EF4-FFF2-40B4-BE49-F238E27FC236}">
+                <a16:creationId xmlns:a16="http://schemas.microsoft.com/office/drawing/2014/main" id="{5C04D12C-2DB0-D24D-A909-8E22D60E36FE}"/>
               </a:ext>
             </a:extLst>
           </p:cNvPr>
@@ -3805,8 +3706,8 @@
         </p:nvSpPr>
         <p:spPr>
           <a:xfrm>
-            <a:off x="8696504" y="2072090"/>
-            <a:ext cx="1627370" cy="400110"/>
+            <a:off x="7340054" y="4327161"/>
+            <a:ext cx="1788118" cy="369332"/>
           </a:xfrm>
           <a:prstGeom prst="rect">
             <a:avLst/>
@@ -3819,76 +3720,21 @@
           </a:bodyPr>
           <a:lstStyle/>
           <a:p>
-            <a:pPr algn="ctr"/>
-            <a:r>
-              <a:rPr lang="en-US" sz="2000" dirty="0">
+            <a:r>
+              <a:rPr lang="en-US" dirty="0">
                 <a:latin typeface="Avenir Next" panose="020B0503020202020204" pitchFamily="34" charset="0"/>
               </a:rPr>
-              <a:t>Ease od Use</a:t>
-            </a:r>
-          </a:p>
-        </p:txBody>
-      </p:sp>
-      <p:sp>
-        <p:nvSpPr>
-          <p:cNvPr id="10" name="Rectangle 9">
-            <a:extLst>
-              <a:ext uri="{FF2B5EF4-FFF2-40B4-BE49-F238E27FC236}">
-                <a16:creationId xmlns:a16="http://schemas.microsoft.com/office/drawing/2014/main" id="{804A54E6-CE53-0E45-A8A0-3A2E4A743373}"/>
-              </a:ext>
-            </a:extLst>
-          </p:cNvPr>
-          <p:cNvSpPr/>
-          <p:nvPr/>
-        </p:nvSpPr>
-        <p:spPr>
-          <a:xfrm>
-            <a:off x="1669143" y="4196625"/>
-            <a:ext cx="2410691" cy="798776"/>
-          </a:xfrm>
-          <a:prstGeom prst="rect">
-            <a:avLst/>
-          </a:prstGeom>
-          <a:solidFill>
-            <a:schemeClr val="bg2">
-              <a:lumMod val="75000"/>
-            </a:schemeClr>
-          </a:solidFill>
-          <a:ln>
-            <a:noFill/>
-          </a:ln>
-        </p:spPr>
-        <p:style>
-          <a:lnRef idx="2">
-            <a:schemeClr val="accent1">
-              <a:shade val="50000"/>
-            </a:schemeClr>
-          </a:lnRef>
-          <a:fillRef idx="1">
-            <a:schemeClr val="accent1"/>
-          </a:fillRef>
-          <a:effectRef idx="0">
-            <a:schemeClr val="accent1"/>
-          </a:effectRef>
-          <a:fontRef idx="minor">
-            <a:schemeClr val="lt1"/>
-          </a:fontRef>
-        </p:style>
-        <p:txBody>
-          <a:bodyPr rtlCol="0" anchor="ctr"/>
-          <a:lstStyle/>
-          <a:p>
-            <a:pPr algn="ctr"/>
-            <a:endParaRPr lang="en-US"/>
-          </a:p>
-        </p:txBody>
-      </p:sp>
-      <p:sp>
-        <p:nvSpPr>
-          <p:cNvPr id="11" name="TextBox 10">
-            <a:extLst>
-              <a:ext uri="{FF2B5EF4-FFF2-40B4-BE49-F238E27FC236}">
-                <a16:creationId xmlns:a16="http://schemas.microsoft.com/office/drawing/2014/main" id="{07CFBBA3-F3F1-D94C-A0C1-B6B4D87B8FF0}"/>
+              <a:t>Kang Sung Min</a:t>
+            </a:r>
+          </a:p>
+        </p:txBody>
+      </p:sp>
+      <p:sp>
+        <p:nvSpPr>
+          <p:cNvPr id="20" name="TextBox 19">
+            <a:extLst>
+              <a:ext uri="{FF2B5EF4-FFF2-40B4-BE49-F238E27FC236}">
+                <a16:creationId xmlns:a16="http://schemas.microsoft.com/office/drawing/2014/main" id="{9D510D64-B334-CD49-B339-E6CF4E528AD0}"/>
               </a:ext>
             </a:extLst>
           </p:cNvPr>
@@ -3897,8 +3743,8 @@
         </p:nvSpPr>
         <p:spPr>
           <a:xfrm>
-            <a:off x="1794067" y="4274303"/>
-            <a:ext cx="2160840" cy="707886"/>
+            <a:off x="7146428" y="4687209"/>
+            <a:ext cx="2175371" cy="830997"/>
           </a:xfrm>
           <a:prstGeom prst="rect">
             <a:avLst/>
@@ -3913,83 +3759,38 @@
           <a:p>
             <a:pPr algn="ctr"/>
             <a:r>
-              <a:rPr lang="en-US" sz="2000" dirty="0">
+              <a:rPr lang="en-US" sz="1600" dirty="0">
                 <a:latin typeface="Avenir Next" panose="020B0503020202020204" pitchFamily="34" charset="0"/>
               </a:rPr>
-              <a:t>Helping </a:t>
+              <a:t>Low &amp; Economics </a:t>
             </a:r>
           </a:p>
           <a:p>
             <a:pPr algn="ctr"/>
             <a:r>
-              <a:rPr lang="en-US" sz="2000" dirty="0">
+              <a:rPr lang="en-US" sz="1600" dirty="0">
                 <a:latin typeface="Avenir Next" panose="020B0503020202020204" pitchFamily="34" charset="0"/>
               </a:rPr>
-              <a:t>Environment</a:t>
-            </a:r>
-          </a:p>
-        </p:txBody>
-      </p:sp>
-      <p:sp>
-        <p:nvSpPr>
-          <p:cNvPr id="12" name="Rectangle 11">
-            <a:extLst>
-              <a:ext uri="{FF2B5EF4-FFF2-40B4-BE49-F238E27FC236}">
-                <a16:creationId xmlns:a16="http://schemas.microsoft.com/office/drawing/2014/main" id="{3A41AE15-7F31-0842-971E-90DBF900EE39}"/>
-              </a:ext>
-            </a:extLst>
-          </p:cNvPr>
-          <p:cNvSpPr/>
-          <p:nvPr/>
-        </p:nvSpPr>
-        <p:spPr>
-          <a:xfrm>
-            <a:off x="5008088" y="4228858"/>
-            <a:ext cx="2410691" cy="798776"/>
-          </a:xfrm>
-          <a:prstGeom prst="rect">
-            <a:avLst/>
-          </a:prstGeom>
-          <a:solidFill>
-            <a:schemeClr val="bg2">
-              <a:lumMod val="75000"/>
-            </a:schemeClr>
-          </a:solidFill>
-          <a:ln>
-            <a:noFill/>
-          </a:ln>
-        </p:spPr>
-        <p:style>
-          <a:lnRef idx="2">
-            <a:schemeClr val="accent1">
-              <a:shade val="50000"/>
-            </a:schemeClr>
-          </a:lnRef>
-          <a:fillRef idx="1">
-            <a:schemeClr val="accent1"/>
-          </a:fillRef>
-          <a:effectRef idx="0">
-            <a:schemeClr val="accent1"/>
-          </a:effectRef>
-          <a:fontRef idx="minor">
-            <a:schemeClr val="lt1"/>
-          </a:fontRef>
-        </p:style>
-        <p:txBody>
-          <a:bodyPr rtlCol="0" anchor="ctr"/>
-          <a:lstStyle/>
+              <a:t>Modern Economics</a:t>
+            </a:r>
+          </a:p>
           <a:p>
             <a:pPr algn="ctr"/>
-            <a:endParaRPr lang="en-US"/>
-          </a:p>
-        </p:txBody>
-      </p:sp>
-      <p:sp>
-        <p:nvSpPr>
-          <p:cNvPr id="13" name="TextBox 12">
-            <a:extLst>
-              <a:ext uri="{FF2B5EF4-FFF2-40B4-BE49-F238E27FC236}">
-                <a16:creationId xmlns:a16="http://schemas.microsoft.com/office/drawing/2014/main" id="{8FDF63B9-EFE3-F948-B04A-29D55D630B2F}"/>
+            <a:r>
+              <a:rPr lang="en-US" sz="1600" dirty="0">
+                <a:latin typeface="Avenir Next" panose="020B0503020202020204" pitchFamily="34" charset="0"/>
+              </a:rPr>
+              <a:t>Japanese Economics</a:t>
+            </a:r>
+          </a:p>
+        </p:txBody>
+      </p:sp>
+      <p:sp>
+        <p:nvSpPr>
+          <p:cNvPr id="21" name="TextBox 20">
+            <a:extLst>
+              <a:ext uri="{FF2B5EF4-FFF2-40B4-BE49-F238E27FC236}">
+                <a16:creationId xmlns:a16="http://schemas.microsoft.com/office/drawing/2014/main" id="{DA2100C2-67C9-4C45-BA30-249C71941EDD}"/>
               </a:ext>
             </a:extLst>
           </p:cNvPr>
@@ -3998,8 +3799,8 @@
         </p:nvSpPr>
         <p:spPr>
           <a:xfrm>
-            <a:off x="5196225" y="4266266"/>
-            <a:ext cx="2008439" cy="707886"/>
+            <a:off x="2586825" y="1839975"/>
+            <a:ext cx="2449710" cy="369332"/>
           </a:xfrm>
           <a:prstGeom prst="rect">
             <a:avLst/>
@@ -4007,79 +3808,96 @@
           <a:noFill/>
         </p:spPr>
         <p:txBody>
-          <a:bodyPr wrap="square" rtlCol="0">
+          <a:bodyPr wrap="none" rtlCol="0">
             <a:spAutoFit/>
           </a:bodyPr>
           <a:lstStyle/>
           <a:p>
             <a:pPr algn="ctr"/>
             <a:r>
-              <a:rPr lang="en-US" sz="2000" dirty="0">
+              <a:rPr lang="en-US" dirty="0">
                 <a:latin typeface="Avenir Next" panose="020B0503020202020204" pitchFamily="34" charset="0"/>
               </a:rPr>
-              <a:t>Connecting People</a:t>
-            </a:r>
-          </a:p>
-        </p:txBody>
-      </p:sp>
-      <p:sp>
-        <p:nvSpPr>
-          <p:cNvPr id="14" name="Rectangle 13">
-            <a:extLst>
-              <a:ext uri="{FF2B5EF4-FFF2-40B4-BE49-F238E27FC236}">
-                <a16:creationId xmlns:a16="http://schemas.microsoft.com/office/drawing/2014/main" id="{860553D0-10E5-EB45-9E4A-434E034B9BBF}"/>
-              </a:ext>
-            </a:extLst>
-          </p:cNvPr>
-          <p:cNvSpPr/>
-          <p:nvPr/>
-        </p:nvSpPr>
-        <p:spPr>
-          <a:xfrm>
-            <a:off x="8249426" y="4228858"/>
-            <a:ext cx="2410691" cy="798776"/>
-          </a:xfrm>
-          <a:prstGeom prst="rect">
-            <a:avLst/>
-          </a:prstGeom>
-          <a:solidFill>
-            <a:schemeClr val="bg2">
-              <a:lumMod val="75000"/>
-            </a:schemeClr>
-          </a:solidFill>
-          <a:ln>
-            <a:noFill/>
+              <a:t>Analyst and Backend Developer</a:t>
+            </a:r>
+          </a:p>
+        </p:txBody>
+      </p:sp>
+      <p:sp>
+        <p:nvSpPr>
+          <p:cNvPr id="22" name="TextBox 21">
+            <a:extLst>
+              <a:ext uri="{FF2B5EF4-FFF2-40B4-BE49-F238E27FC236}">
+                <a16:creationId xmlns:a16="http://schemas.microsoft.com/office/drawing/2014/main" id="{221E7F05-B515-8745-9F74-CF1E4ABD39A2}"/>
+              </a:ext>
+            </a:extLst>
+          </p:cNvPr>
+          <p:cNvSpPr txBox="1"/>
+          <p:nvPr/>
+        </p:nvSpPr>
+        <p:spPr>
+          <a:xfrm>
+            <a:off x="7063074" y="1839975"/>
+            <a:ext cx="1612941" cy="369332"/>
+          </a:xfrm>
+          <a:prstGeom prst="rect">
+            <a:avLst/>
+          </a:prstGeom>
+          <a:noFill/>
+        </p:spPr>
+        <p:txBody>
+          <a:bodyPr wrap="none" rtlCol="0">
+            <a:spAutoFit/>
+          </a:bodyPr>
+          <a:lstStyle/>
+          <a:p>
+            <a:r>
+              <a:rPr lang="en-US" dirty="0">
+                <a:latin typeface="Avenir Next" panose="020B0503020202020204" pitchFamily="34" charset="0"/>
+              </a:rPr>
+              <a:t>Frontend Developer</a:t>
+            </a:r>
+          </a:p>
+        </p:txBody>
+      </p:sp>
+      <p:pic>
+        <p:nvPicPr>
+          <p:cNvPr id="2" name="그림 1"/>
+          <p:cNvPicPr>
+            <a:picLocks noChangeAspect="1"/>
+          </p:cNvPicPr>
+          <p:nvPr/>
+        </p:nvPicPr>
+        <p:blipFill rotWithShape="1">
+          <a:blip r:embed="rId3">
+            <a:extLst>
+              <a:ext uri="{28A0092B-C50C-407E-A947-70E740481C1C}">
+                <a14:useLocalDpi xmlns:a14="http://schemas.microsoft.com/office/drawing/2010/main" val="0"/>
+              </a:ext>
+            </a:extLst>
+          </a:blip>
+          <a:srcRect t="7924" b="17153"/>
+          <a:stretch/>
+        </p:blipFill>
+        <p:spPr>
+          <a:xfrm>
+            <a:off x="7415261" y="2394341"/>
+            <a:ext cx="1652416" cy="1650660"/>
+          </a:xfrm>
+          <a:prstGeom prst="ellipse">
+            <a:avLst/>
+          </a:prstGeom>
+          <a:ln w="53975">
+            <a:solidFill>
+              <a:srgbClr val="00B894"/>
+            </a:solidFill>
           </a:ln>
         </p:spPr>
-        <p:style>
-          <a:lnRef idx="2">
-            <a:schemeClr val="accent1">
-              <a:shade val="50000"/>
-            </a:schemeClr>
-          </a:lnRef>
-          <a:fillRef idx="1">
-            <a:schemeClr val="accent1"/>
-          </a:fillRef>
-          <a:effectRef idx="0">
-            <a:schemeClr val="accent1"/>
-          </a:effectRef>
-          <a:fontRef idx="minor">
-            <a:schemeClr val="lt1"/>
-          </a:fontRef>
-        </p:style>
-        <p:txBody>
-          <a:bodyPr rtlCol="0" anchor="ctr"/>
-          <a:lstStyle/>
-          <a:p>
-            <a:pPr algn="ctr"/>
-            <a:endParaRPr lang="en-US"/>
-          </a:p>
-        </p:txBody>
-      </p:sp>
+      </p:pic>
     </p:spTree>
     <p:extLst>
       <p:ext uri="{BB962C8B-B14F-4D97-AF65-F5344CB8AC3E}">
-        <p14:creationId xmlns:p14="http://schemas.microsoft.com/office/powerpoint/2010/main" val="2977985545"/>
+        <p14:creationId xmlns:p14="http://schemas.microsoft.com/office/powerpoint/2010/main" val="833348749"/>
       </p:ext>
     </p:extLst>
   </p:cSld>
@@ -4090,7 +3908,7 @@
 </file>
 
 <file path=ppt/slides/slide11.xml><?xml version="1.0" encoding="utf-8"?>
-<p:sld xmlns:a="http://schemas.openxmlformats.org/drawingml/2006/main" xmlns:r="http://schemas.openxmlformats.org/officeDocument/2006/relationships" xmlns:p="http://schemas.openxmlformats.org/presentationml/2006/main">
+<p:sld xmlns:a="http://schemas.openxmlformats.org/drawingml/2006/main" xmlns:r="http://schemas.openxmlformats.org/officeDocument/2006/relationships" xmlns:p="http://schemas.openxmlformats.org/presentationml/2006/main" show="0">
   <p:cSld>
     <p:bg>
       <p:bgPr>
@@ -4181,7 +3999,7 @@
         <p:spPr>
           <a:xfrm>
             <a:off x="1669143" y="333254"/>
-            <a:ext cx="1313180" cy="584775"/>
+            <a:ext cx="5669629" cy="584775"/>
           </a:xfrm>
           <a:prstGeom prst="rect">
             <a:avLst/>
@@ -4198,51 +4016,71 @@
               <a:rPr lang="en-US" sz="3200" dirty="0">
                 <a:latin typeface="Avenir Next" panose="020B0503020202020204" pitchFamily="34" charset="0"/>
               </a:rPr>
-              <a:t>TEAM</a:t>
-            </a:r>
-          </a:p>
-        </p:txBody>
-      </p:sp>
-      <p:pic>
-        <p:nvPicPr>
-          <p:cNvPr id="15" name="Picture 14" descr="A person holding a sign&#10;&#10;Description automatically generated">
-            <a:extLst>
-              <a:ext uri="{FF2B5EF4-FFF2-40B4-BE49-F238E27FC236}">
-                <a16:creationId xmlns:a16="http://schemas.microsoft.com/office/drawing/2014/main" id="{EF53A623-33CF-FE4A-A201-819F3AA25BE1}"/>
-              </a:ext>
-            </a:extLst>
-          </p:cNvPr>
-          <p:cNvPicPr>
-            <a:picLocks noChangeAspect="1"/>
-          </p:cNvPicPr>
-          <p:nvPr/>
-        </p:nvPicPr>
-        <p:blipFill rotWithShape="1">
-          <a:blip r:embed="rId2"/>
-          <a:srcRect l="36233" t="50000" r="12775" b="9378"/>
-          <a:stretch/>
-        </p:blipFill>
-        <p:spPr>
-          <a:xfrm>
-            <a:off x="2982323" y="2354287"/>
-            <a:ext cx="1658716" cy="1650661"/>
-          </a:xfrm>
-          <a:prstGeom prst="ellipse">
-            <a:avLst/>
-          </a:prstGeom>
-          <a:ln w="38100">
-            <a:solidFill>
-              <a:srgbClr val="00B894"/>
-            </a:solidFill>
+              <a:t>COMPETITIVE ADVANTAGES</a:t>
+            </a:r>
+          </a:p>
+        </p:txBody>
+      </p:sp>
+      <p:sp>
+        <p:nvSpPr>
+          <p:cNvPr id="2" name="Rectangle 1">
+            <a:extLst>
+              <a:ext uri="{FF2B5EF4-FFF2-40B4-BE49-F238E27FC236}">
+                <a16:creationId xmlns:a16="http://schemas.microsoft.com/office/drawing/2014/main" id="{1FDBF9E0-5682-A34C-ACE9-EA60898A3F49}"/>
+              </a:ext>
+            </a:extLst>
+          </p:cNvPr>
+          <p:cNvSpPr/>
+          <p:nvPr/>
+        </p:nvSpPr>
+        <p:spPr>
+          <a:xfrm>
+            <a:off x="1669143" y="1870363"/>
+            <a:ext cx="2410691" cy="798776"/>
+          </a:xfrm>
+          <a:prstGeom prst="rect">
+            <a:avLst/>
+          </a:prstGeom>
+          <a:solidFill>
+            <a:schemeClr val="bg2">
+              <a:lumMod val="75000"/>
+            </a:schemeClr>
+          </a:solidFill>
+          <a:ln>
+            <a:noFill/>
           </a:ln>
         </p:spPr>
-      </p:pic>
-      <p:sp>
-        <p:nvSpPr>
-          <p:cNvPr id="16" name="TextBox 15">
-            <a:extLst>
-              <a:ext uri="{FF2B5EF4-FFF2-40B4-BE49-F238E27FC236}">
-                <a16:creationId xmlns:a16="http://schemas.microsoft.com/office/drawing/2014/main" id="{04084F89-2C3C-0247-A1DF-B58EC8D61163}"/>
+        <p:style>
+          <a:lnRef idx="2">
+            <a:schemeClr val="accent1">
+              <a:shade val="50000"/>
+            </a:schemeClr>
+          </a:lnRef>
+          <a:fillRef idx="1">
+            <a:schemeClr val="accent1"/>
+          </a:fillRef>
+          <a:effectRef idx="0">
+            <a:schemeClr val="accent1"/>
+          </a:effectRef>
+          <a:fontRef idx="minor">
+            <a:schemeClr val="lt1"/>
+          </a:fontRef>
+        </p:style>
+        <p:txBody>
+          <a:bodyPr rtlCol="0" anchor="ctr"/>
+          <a:lstStyle/>
+          <a:p>
+            <a:pPr algn="ctr"/>
+            <a:endParaRPr lang="en-US"/>
+          </a:p>
+        </p:txBody>
+      </p:sp>
+      <p:sp>
+        <p:nvSpPr>
+          <p:cNvPr id="3" name="TextBox 2">
+            <a:extLst>
+              <a:ext uri="{FF2B5EF4-FFF2-40B4-BE49-F238E27FC236}">
+                <a16:creationId xmlns:a16="http://schemas.microsoft.com/office/drawing/2014/main" id="{88430BBE-6DE0-CB48-B092-982294AA5AEB}"/>
               </a:ext>
             </a:extLst>
           </p:cNvPr>
@@ -4251,8 +4089,8 @@
         </p:nvSpPr>
         <p:spPr>
           <a:xfrm>
-            <a:off x="2658159" y="4294909"/>
-            <a:ext cx="2510111" cy="369332"/>
+            <a:off x="1719556" y="1961253"/>
+            <a:ext cx="2309863" cy="707886"/>
           </a:xfrm>
           <a:prstGeom prst="rect">
             <a:avLst/>
@@ -4265,42 +4103,85 @@
           </a:bodyPr>
           <a:lstStyle/>
           <a:p>
-            <a:r>
-              <a:rPr lang="en-US" dirty="0">
+            <a:pPr algn="ctr"/>
+            <a:r>
+              <a:rPr lang="en-US" sz="2000" dirty="0">
                 <a:latin typeface="Avenir Next" panose="020B0503020202020204" pitchFamily="34" charset="0"/>
               </a:rPr>
-              <a:t>Andi </a:t>
-            </a:r>
-            <a:r>
-              <a:rPr lang="en-US" dirty="0" err="1">
+              <a:t>Free to Affordable</a:t>
+            </a:r>
+          </a:p>
+          <a:p>
+            <a:pPr algn="ctr"/>
+            <a:r>
+              <a:rPr lang="en-US" sz="2000" dirty="0">
                 <a:latin typeface="Avenir Next" panose="020B0503020202020204" pitchFamily="34" charset="0"/>
               </a:rPr>
-              <a:t>Prademon</a:t>
-            </a:r>
-            <a:r>
-              <a:rPr lang="en-US" dirty="0">
-                <a:latin typeface="Avenir Next" panose="020B0503020202020204" pitchFamily="34" charset="0"/>
-              </a:rPr>
-              <a:t> </a:t>
-            </a:r>
-            <a:r>
-              <a:rPr lang="en-US" dirty="0" err="1">
-                <a:latin typeface="Avenir Next" panose="020B0503020202020204" pitchFamily="34" charset="0"/>
-              </a:rPr>
-              <a:t>Yunus</a:t>
-            </a:r>
-            <a:endParaRPr lang="en-US" dirty="0">
-              <a:latin typeface="Avenir Next" panose="020B0503020202020204" pitchFamily="34" charset="0"/>
-            </a:endParaRPr>
-          </a:p>
-        </p:txBody>
-      </p:sp>
-      <p:sp>
-        <p:nvSpPr>
-          <p:cNvPr id="17" name="TextBox 16">
-            <a:extLst>
-              <a:ext uri="{FF2B5EF4-FFF2-40B4-BE49-F238E27FC236}">
-                <a16:creationId xmlns:a16="http://schemas.microsoft.com/office/drawing/2014/main" id="{749B2E8F-710B-3E4B-833B-E5C00882D5CF}"/>
+              <a:t>Stuff</a:t>
+            </a:r>
+          </a:p>
+        </p:txBody>
+      </p:sp>
+      <p:sp>
+        <p:nvSpPr>
+          <p:cNvPr id="6" name="Rectangle 5">
+            <a:extLst>
+              <a:ext uri="{FF2B5EF4-FFF2-40B4-BE49-F238E27FC236}">
+                <a16:creationId xmlns:a16="http://schemas.microsoft.com/office/drawing/2014/main" id="{89AEF0FF-DE58-694C-8A12-2BC18C3D94AF}"/>
+              </a:ext>
+            </a:extLst>
+          </p:cNvPr>
+          <p:cNvSpPr/>
+          <p:nvPr/>
+        </p:nvSpPr>
+        <p:spPr>
+          <a:xfrm>
+            <a:off x="4995100" y="1870363"/>
+            <a:ext cx="2410691" cy="798776"/>
+          </a:xfrm>
+          <a:prstGeom prst="rect">
+            <a:avLst/>
+          </a:prstGeom>
+          <a:solidFill>
+            <a:schemeClr val="bg2">
+              <a:lumMod val="75000"/>
+            </a:schemeClr>
+          </a:solidFill>
+          <a:ln>
+            <a:noFill/>
+          </a:ln>
+        </p:spPr>
+        <p:style>
+          <a:lnRef idx="2">
+            <a:schemeClr val="accent1">
+              <a:shade val="50000"/>
+            </a:schemeClr>
+          </a:lnRef>
+          <a:fillRef idx="1">
+            <a:schemeClr val="accent1"/>
+          </a:fillRef>
+          <a:effectRef idx="0">
+            <a:schemeClr val="accent1"/>
+          </a:effectRef>
+          <a:fontRef idx="minor">
+            <a:schemeClr val="lt1"/>
+          </a:fontRef>
+        </p:style>
+        <p:txBody>
+          <a:bodyPr rtlCol="0" anchor="ctr"/>
+          <a:lstStyle/>
+          <a:p>
+            <a:pPr algn="ctr"/>
+            <a:endParaRPr lang="en-US"/>
+          </a:p>
+        </p:txBody>
+      </p:sp>
+      <p:sp>
+        <p:nvSpPr>
+          <p:cNvPr id="7" name="TextBox 6">
+            <a:extLst>
+              <a:ext uri="{FF2B5EF4-FFF2-40B4-BE49-F238E27FC236}">
+                <a16:creationId xmlns:a16="http://schemas.microsoft.com/office/drawing/2014/main" id="{486867D3-7A1C-3B4D-8C29-AE26EB17078D}"/>
               </a:ext>
             </a:extLst>
           </p:cNvPr>
@@ -4309,8 +4190,8 @@
         </p:nvSpPr>
         <p:spPr>
           <a:xfrm>
-            <a:off x="2152138" y="4664241"/>
-            <a:ext cx="3475695" cy="861774"/>
+            <a:off x="5206665" y="2072090"/>
+            <a:ext cx="2098396" cy="400110"/>
           </a:xfrm>
           <a:prstGeom prst="rect">
             <a:avLst/>
@@ -4325,38 +4206,74 @@
           <a:p>
             <a:pPr algn="ctr"/>
             <a:r>
-              <a:rPr lang="en-US" sz="1600" dirty="0">
+              <a:rPr lang="en-US" sz="2000" dirty="0">
                 <a:latin typeface="Avenir Next" panose="020B0503020202020204" pitchFamily="34" charset="0"/>
               </a:rPr>
-              <a:t>Human Interface Laboratory</a:t>
-            </a:r>
-          </a:p>
+              <a:t>Easy Transaction</a:t>
+            </a:r>
+          </a:p>
+        </p:txBody>
+      </p:sp>
+      <p:sp>
+        <p:nvSpPr>
+          <p:cNvPr id="8" name="Rectangle 7">
+            <a:extLst>
+              <a:ext uri="{FF2B5EF4-FFF2-40B4-BE49-F238E27FC236}">
+                <a16:creationId xmlns:a16="http://schemas.microsoft.com/office/drawing/2014/main" id="{7B127251-31AB-B041-BA9A-6E59AAFA58E4}"/>
+              </a:ext>
+            </a:extLst>
+          </p:cNvPr>
+          <p:cNvSpPr/>
+          <p:nvPr/>
+        </p:nvSpPr>
+        <p:spPr>
+          <a:xfrm>
+            <a:off x="8249426" y="1870363"/>
+            <a:ext cx="2410691" cy="798776"/>
+          </a:xfrm>
+          <a:prstGeom prst="rect">
+            <a:avLst/>
+          </a:prstGeom>
+          <a:solidFill>
+            <a:schemeClr val="bg2">
+              <a:lumMod val="75000"/>
+            </a:schemeClr>
+          </a:solidFill>
+          <a:ln>
+            <a:noFill/>
+          </a:ln>
+        </p:spPr>
+        <p:style>
+          <a:lnRef idx="2">
+            <a:schemeClr val="accent1">
+              <a:shade val="50000"/>
+            </a:schemeClr>
+          </a:lnRef>
+          <a:fillRef idx="1">
+            <a:schemeClr val="accent1"/>
+          </a:fillRef>
+          <a:effectRef idx="0">
+            <a:schemeClr val="accent1"/>
+          </a:effectRef>
+          <a:fontRef idx="minor">
+            <a:schemeClr val="lt1"/>
+          </a:fontRef>
+        </p:style>
+        <p:txBody>
+          <a:bodyPr rtlCol="0" anchor="ctr"/>
+          <a:lstStyle/>
           <a:p>
             <a:pPr algn="ctr"/>
-            <a:r>
-              <a:rPr lang="en-US" sz="1600" dirty="0">
-                <a:latin typeface="Avenir Next" panose="020B0503020202020204" pitchFamily="34" charset="0"/>
-              </a:rPr>
-              <a:t>Department of System Engineering</a:t>
-            </a:r>
-          </a:p>
-          <a:p>
-            <a:pPr algn="ctr"/>
-            <a:r>
-              <a:rPr lang="en-US" sz="1600" dirty="0">
-                <a:latin typeface="Avenir Next" panose="020B0503020202020204" pitchFamily="34" charset="0"/>
-              </a:rPr>
-              <a:t>Faculty of Engineering</a:t>
-            </a:r>
-          </a:p>
-        </p:txBody>
-      </p:sp>
-      <p:sp>
-        <p:nvSpPr>
-          <p:cNvPr id="19" name="TextBox 18">
-            <a:extLst>
-              <a:ext uri="{FF2B5EF4-FFF2-40B4-BE49-F238E27FC236}">
-                <a16:creationId xmlns:a16="http://schemas.microsoft.com/office/drawing/2014/main" id="{5C04D12C-2DB0-D24D-A909-8E22D60E36FE}"/>
+            <a:endParaRPr lang="en-US"/>
+          </a:p>
+        </p:txBody>
+      </p:sp>
+      <p:sp>
+        <p:nvSpPr>
+          <p:cNvPr id="9" name="TextBox 8">
+            <a:extLst>
+              <a:ext uri="{FF2B5EF4-FFF2-40B4-BE49-F238E27FC236}">
+                <a16:creationId xmlns:a16="http://schemas.microsoft.com/office/drawing/2014/main" id="{9D61D458-6467-AF45-960B-3397CEA83F40}"/>
               </a:ext>
             </a:extLst>
           </p:cNvPr>
@@ -4365,8 +4282,8 @@
         </p:nvSpPr>
         <p:spPr>
           <a:xfrm>
-            <a:off x="7340054" y="4327161"/>
-            <a:ext cx="1788118" cy="369332"/>
+            <a:off x="8737510" y="2072090"/>
+            <a:ext cx="1545359" cy="400110"/>
           </a:xfrm>
           <a:prstGeom prst="rect">
             <a:avLst/>
@@ -4379,21 +4296,76 @@
           </a:bodyPr>
           <a:lstStyle/>
           <a:p>
-            <a:r>
-              <a:rPr lang="en-US" dirty="0">
+            <a:pPr algn="ctr"/>
+            <a:r>
+              <a:rPr lang="en-US" sz="2000" dirty="0">
                 <a:latin typeface="Avenir Next" panose="020B0503020202020204" pitchFamily="34" charset="0"/>
               </a:rPr>
-              <a:t>Kang Sung Min</a:t>
-            </a:r>
-          </a:p>
-        </p:txBody>
-      </p:sp>
-      <p:sp>
-        <p:nvSpPr>
-          <p:cNvPr id="20" name="TextBox 19">
-            <a:extLst>
-              <a:ext uri="{FF2B5EF4-FFF2-40B4-BE49-F238E27FC236}">
-                <a16:creationId xmlns:a16="http://schemas.microsoft.com/office/drawing/2014/main" id="{9D510D64-B334-CD49-B339-E6CF4E528AD0}"/>
+              <a:t>Ease of Use</a:t>
+            </a:r>
+          </a:p>
+        </p:txBody>
+      </p:sp>
+      <p:sp>
+        <p:nvSpPr>
+          <p:cNvPr id="10" name="Rectangle 9">
+            <a:extLst>
+              <a:ext uri="{FF2B5EF4-FFF2-40B4-BE49-F238E27FC236}">
+                <a16:creationId xmlns:a16="http://schemas.microsoft.com/office/drawing/2014/main" id="{804A54E6-CE53-0E45-A8A0-3A2E4A743373}"/>
+              </a:ext>
+            </a:extLst>
+          </p:cNvPr>
+          <p:cNvSpPr/>
+          <p:nvPr/>
+        </p:nvSpPr>
+        <p:spPr>
+          <a:xfrm>
+            <a:off x="3142343" y="4161324"/>
+            <a:ext cx="2410691" cy="798776"/>
+          </a:xfrm>
+          <a:prstGeom prst="rect">
+            <a:avLst/>
+          </a:prstGeom>
+          <a:solidFill>
+            <a:schemeClr val="bg2">
+              <a:lumMod val="75000"/>
+            </a:schemeClr>
+          </a:solidFill>
+          <a:ln>
+            <a:noFill/>
+          </a:ln>
+        </p:spPr>
+        <p:style>
+          <a:lnRef idx="2">
+            <a:schemeClr val="accent1">
+              <a:shade val="50000"/>
+            </a:schemeClr>
+          </a:lnRef>
+          <a:fillRef idx="1">
+            <a:schemeClr val="accent1"/>
+          </a:fillRef>
+          <a:effectRef idx="0">
+            <a:schemeClr val="accent1"/>
+          </a:effectRef>
+          <a:fontRef idx="minor">
+            <a:schemeClr val="lt1"/>
+          </a:fontRef>
+        </p:style>
+        <p:txBody>
+          <a:bodyPr rtlCol="0" anchor="ctr"/>
+          <a:lstStyle/>
+          <a:p>
+            <a:pPr algn="ctr"/>
+            <a:endParaRPr lang="en-US"/>
+          </a:p>
+        </p:txBody>
+      </p:sp>
+      <p:sp>
+        <p:nvSpPr>
+          <p:cNvPr id="11" name="TextBox 10">
+            <a:extLst>
+              <a:ext uri="{FF2B5EF4-FFF2-40B4-BE49-F238E27FC236}">
+                <a16:creationId xmlns:a16="http://schemas.microsoft.com/office/drawing/2014/main" id="{07CFBBA3-F3F1-D94C-A0C1-B6B4D87B8FF0}"/>
               </a:ext>
             </a:extLst>
           </p:cNvPr>
@@ -4402,8 +4374,8 @@
         </p:nvSpPr>
         <p:spPr>
           <a:xfrm>
-            <a:off x="7146428" y="4687209"/>
-            <a:ext cx="2175371" cy="830997"/>
+            <a:off x="3267267" y="4239002"/>
+            <a:ext cx="2160840" cy="707886"/>
           </a:xfrm>
           <a:prstGeom prst="rect">
             <a:avLst/>
@@ -4418,145 +4390,119 @@
           <a:p>
             <a:pPr algn="ctr"/>
             <a:r>
-              <a:rPr lang="en-US" sz="1600" dirty="0">
+              <a:rPr lang="en-US" sz="2000" dirty="0">
                 <a:latin typeface="Avenir Next" panose="020B0503020202020204" pitchFamily="34" charset="0"/>
               </a:rPr>
-              <a:t>Low &amp; Economics </a:t>
+              <a:t>Helping </a:t>
             </a:r>
           </a:p>
           <a:p>
             <a:pPr algn="ctr"/>
             <a:r>
-              <a:rPr lang="en-US" sz="1600" dirty="0">
+              <a:rPr lang="en-US" sz="2000" dirty="0">
                 <a:latin typeface="Avenir Next" panose="020B0503020202020204" pitchFamily="34" charset="0"/>
               </a:rPr>
-              <a:t>Modern Economics</a:t>
-            </a:r>
-          </a:p>
+              <a:t>Environment</a:t>
+            </a:r>
+          </a:p>
+        </p:txBody>
+      </p:sp>
+      <p:sp>
+        <p:nvSpPr>
+          <p:cNvPr id="12" name="Rectangle 11">
+            <a:extLst>
+              <a:ext uri="{FF2B5EF4-FFF2-40B4-BE49-F238E27FC236}">
+                <a16:creationId xmlns:a16="http://schemas.microsoft.com/office/drawing/2014/main" id="{3A41AE15-7F31-0842-971E-90DBF900EE39}"/>
+              </a:ext>
+            </a:extLst>
+          </p:cNvPr>
+          <p:cNvSpPr/>
+          <p:nvPr/>
+        </p:nvSpPr>
+        <p:spPr>
+          <a:xfrm>
+            <a:off x="6481288" y="4193557"/>
+            <a:ext cx="2410691" cy="798776"/>
+          </a:xfrm>
+          <a:prstGeom prst="rect">
+            <a:avLst/>
+          </a:prstGeom>
+          <a:solidFill>
+            <a:schemeClr val="bg2">
+              <a:lumMod val="75000"/>
+            </a:schemeClr>
+          </a:solidFill>
+          <a:ln>
+            <a:noFill/>
+          </a:ln>
+        </p:spPr>
+        <p:style>
+          <a:lnRef idx="2">
+            <a:schemeClr val="accent1">
+              <a:shade val="50000"/>
+            </a:schemeClr>
+          </a:lnRef>
+          <a:fillRef idx="1">
+            <a:schemeClr val="accent1"/>
+          </a:fillRef>
+          <a:effectRef idx="0">
+            <a:schemeClr val="accent1"/>
+          </a:effectRef>
+          <a:fontRef idx="minor">
+            <a:schemeClr val="lt1"/>
+          </a:fontRef>
+        </p:style>
+        <p:txBody>
+          <a:bodyPr rtlCol="0" anchor="ctr"/>
+          <a:lstStyle/>
           <a:p>
             <a:pPr algn="ctr"/>
-            <a:r>
-              <a:rPr lang="en-US" sz="1600" dirty="0">
+            <a:endParaRPr lang="en-US"/>
+          </a:p>
+        </p:txBody>
+      </p:sp>
+      <p:sp>
+        <p:nvSpPr>
+          <p:cNvPr id="13" name="TextBox 12">
+            <a:extLst>
+              <a:ext uri="{FF2B5EF4-FFF2-40B4-BE49-F238E27FC236}">
+                <a16:creationId xmlns:a16="http://schemas.microsoft.com/office/drawing/2014/main" id="{8FDF63B9-EFE3-F948-B04A-29D55D630B2F}"/>
+              </a:ext>
+            </a:extLst>
+          </p:cNvPr>
+          <p:cNvSpPr txBox="1"/>
+          <p:nvPr/>
+        </p:nvSpPr>
+        <p:spPr>
+          <a:xfrm>
+            <a:off x="6669425" y="4230965"/>
+            <a:ext cx="2008439" cy="707886"/>
+          </a:xfrm>
+          <a:prstGeom prst="rect">
+            <a:avLst/>
+          </a:prstGeom>
+          <a:noFill/>
+        </p:spPr>
+        <p:txBody>
+          <a:bodyPr wrap="square" rtlCol="0">
+            <a:spAutoFit/>
+          </a:bodyPr>
+          <a:lstStyle/>
+          <a:p>
+            <a:pPr algn="ctr"/>
+            <a:r>
+              <a:rPr lang="en-US" sz="2000" dirty="0">
                 <a:latin typeface="Avenir Next" panose="020B0503020202020204" pitchFamily="34" charset="0"/>
               </a:rPr>
-              <a:t>Japanese Economics</a:t>
-            </a:r>
-          </a:p>
-        </p:txBody>
-      </p:sp>
-      <p:sp>
-        <p:nvSpPr>
-          <p:cNvPr id="21" name="TextBox 20">
-            <a:extLst>
-              <a:ext uri="{FF2B5EF4-FFF2-40B4-BE49-F238E27FC236}">
-                <a16:creationId xmlns:a16="http://schemas.microsoft.com/office/drawing/2014/main" id="{DA2100C2-67C9-4C45-BA30-249C71941EDD}"/>
-              </a:ext>
-            </a:extLst>
-          </p:cNvPr>
-          <p:cNvSpPr txBox="1"/>
-          <p:nvPr/>
-        </p:nvSpPr>
-        <p:spPr>
-          <a:xfrm>
-            <a:off x="2586825" y="1839975"/>
-            <a:ext cx="2449710" cy="369332"/>
-          </a:xfrm>
-          <a:prstGeom prst="rect">
-            <a:avLst/>
-          </a:prstGeom>
-          <a:noFill/>
-        </p:spPr>
-        <p:txBody>
-          <a:bodyPr wrap="none" rtlCol="0">
-            <a:spAutoFit/>
-          </a:bodyPr>
-          <a:lstStyle/>
-          <a:p>
-            <a:pPr algn="ctr"/>
-            <a:r>
-              <a:rPr lang="en-US" dirty="0">
-                <a:latin typeface="Avenir Next" panose="020B0503020202020204" pitchFamily="34" charset="0"/>
-              </a:rPr>
-              <a:t>Analyst and Backend Developer</a:t>
-            </a:r>
-          </a:p>
-        </p:txBody>
-      </p:sp>
-      <p:sp>
-        <p:nvSpPr>
-          <p:cNvPr id="22" name="TextBox 21">
-            <a:extLst>
-              <a:ext uri="{FF2B5EF4-FFF2-40B4-BE49-F238E27FC236}">
-                <a16:creationId xmlns:a16="http://schemas.microsoft.com/office/drawing/2014/main" id="{221E7F05-B515-8745-9F74-CF1E4ABD39A2}"/>
-              </a:ext>
-            </a:extLst>
-          </p:cNvPr>
-          <p:cNvSpPr txBox="1"/>
-          <p:nvPr/>
-        </p:nvSpPr>
-        <p:spPr>
-          <a:xfrm>
-            <a:off x="7063074" y="1839975"/>
-            <a:ext cx="1612941" cy="369332"/>
-          </a:xfrm>
-          <a:prstGeom prst="rect">
-            <a:avLst/>
-          </a:prstGeom>
-          <a:noFill/>
-        </p:spPr>
-        <p:txBody>
-          <a:bodyPr wrap="none" rtlCol="0">
-            <a:spAutoFit/>
-          </a:bodyPr>
-          <a:lstStyle/>
-          <a:p>
-            <a:r>
-              <a:rPr lang="en-US" dirty="0">
-                <a:latin typeface="Avenir Next" panose="020B0503020202020204" pitchFamily="34" charset="0"/>
-              </a:rPr>
-              <a:t>Frontend Developer</a:t>
-            </a:r>
-          </a:p>
-        </p:txBody>
-      </p:sp>
-      <p:pic>
-        <p:nvPicPr>
-          <p:cNvPr id="2" name="그림 1"/>
-          <p:cNvPicPr>
-            <a:picLocks noChangeAspect="1"/>
-          </p:cNvPicPr>
-          <p:nvPr/>
-        </p:nvPicPr>
-        <p:blipFill rotWithShape="1">
-          <a:blip r:embed="rId3">
-            <a:extLst>
-              <a:ext uri="{28A0092B-C50C-407E-A947-70E740481C1C}">
-                <a14:useLocalDpi xmlns:a14="http://schemas.microsoft.com/office/drawing/2010/main" val="0"/>
-              </a:ext>
-            </a:extLst>
-          </a:blip>
-          <a:srcRect t="7924" b="17153"/>
-          <a:stretch/>
-        </p:blipFill>
-        <p:spPr>
-          <a:xfrm>
-            <a:off x="7415261" y="2394341"/>
-            <a:ext cx="1652416" cy="1650660"/>
-          </a:xfrm>
-          <a:prstGeom prst="ellipse">
-            <a:avLst/>
-          </a:prstGeom>
-          <a:ln w="53975">
-            <a:solidFill>
-              <a:srgbClr val="00B894"/>
-            </a:solidFill>
-          </a:ln>
-        </p:spPr>
-      </p:pic>
+              <a:t>Connecting People</a:t>
+            </a:r>
+          </a:p>
+        </p:txBody>
+      </p:sp>
     </p:spTree>
     <p:extLst>
       <p:ext uri="{BB962C8B-B14F-4D97-AF65-F5344CB8AC3E}">
-        <p14:creationId xmlns:p14="http://schemas.microsoft.com/office/powerpoint/2010/main" val="833348749"/>
+        <p14:creationId xmlns:p14="http://schemas.microsoft.com/office/powerpoint/2010/main" val="2977985545"/>
       </p:ext>
     </p:extLst>
   </p:cSld>
@@ -6690,7 +6636,7 @@
 </file>
 
 <file path=ppt/slides/slide6.xml><?xml version="1.0" encoding="utf-8"?>
-<p:sld xmlns:a="http://schemas.openxmlformats.org/drawingml/2006/main" xmlns:r="http://schemas.openxmlformats.org/officeDocument/2006/relationships" xmlns:p="http://schemas.openxmlformats.org/presentationml/2006/main">
+<p:sld xmlns:a="http://schemas.openxmlformats.org/drawingml/2006/main" xmlns:r="http://schemas.openxmlformats.org/officeDocument/2006/relationships" xmlns:p="http://schemas.openxmlformats.org/presentationml/2006/main" show="0">
   <p:cSld>
     <p:bg>
       <p:bgPr>
